--- a/연구보고서/고민정.pptx
+++ b/연구보고서/고민정.pptx
@@ -271,7 +271,7 @@
           <a:p>
             <a:fld id="{D94D4F6C-C331-422D-AC95-F1CB84419871}" type="datetimeFigureOut">
               <a:rPr lang="ko-KR" altLang="en-US" smtClean="0"/>
-              <a:t>2022-01-09</a:t>
+              <a:t>2022-01-11</a:t>
             </a:fld>
             <a:endParaRPr lang="ko-KR" altLang="en-US"/>
           </a:p>
@@ -469,7 +469,7 @@
           <a:p>
             <a:fld id="{D94D4F6C-C331-422D-AC95-F1CB84419871}" type="datetimeFigureOut">
               <a:rPr lang="ko-KR" altLang="en-US" smtClean="0"/>
-              <a:t>2022-01-09</a:t>
+              <a:t>2022-01-11</a:t>
             </a:fld>
             <a:endParaRPr lang="ko-KR" altLang="en-US"/>
           </a:p>
@@ -677,7 +677,7 @@
           <a:p>
             <a:fld id="{D94D4F6C-C331-422D-AC95-F1CB84419871}" type="datetimeFigureOut">
               <a:rPr lang="ko-KR" altLang="en-US" smtClean="0"/>
-              <a:t>2022-01-09</a:t>
+              <a:t>2022-01-11</a:t>
             </a:fld>
             <a:endParaRPr lang="ko-KR" altLang="en-US"/>
           </a:p>
@@ -875,7 +875,7 @@
           <a:p>
             <a:fld id="{D94D4F6C-C331-422D-AC95-F1CB84419871}" type="datetimeFigureOut">
               <a:rPr lang="ko-KR" altLang="en-US" smtClean="0"/>
-              <a:t>2022-01-09</a:t>
+              <a:t>2022-01-11</a:t>
             </a:fld>
             <a:endParaRPr lang="ko-KR" altLang="en-US"/>
           </a:p>
@@ -1150,7 +1150,7 @@
           <a:p>
             <a:fld id="{D94D4F6C-C331-422D-AC95-F1CB84419871}" type="datetimeFigureOut">
               <a:rPr lang="ko-KR" altLang="en-US" smtClean="0"/>
-              <a:t>2022-01-09</a:t>
+              <a:t>2022-01-11</a:t>
             </a:fld>
             <a:endParaRPr lang="ko-KR" altLang="en-US"/>
           </a:p>
@@ -1415,7 +1415,7 @@
           <a:p>
             <a:fld id="{D94D4F6C-C331-422D-AC95-F1CB84419871}" type="datetimeFigureOut">
               <a:rPr lang="ko-KR" altLang="en-US" smtClean="0"/>
-              <a:t>2022-01-09</a:t>
+              <a:t>2022-01-11</a:t>
             </a:fld>
             <a:endParaRPr lang="ko-KR" altLang="en-US"/>
           </a:p>
@@ -1827,7 +1827,7 @@
           <a:p>
             <a:fld id="{D94D4F6C-C331-422D-AC95-F1CB84419871}" type="datetimeFigureOut">
               <a:rPr lang="ko-KR" altLang="en-US" smtClean="0"/>
-              <a:t>2022-01-09</a:t>
+              <a:t>2022-01-11</a:t>
             </a:fld>
             <a:endParaRPr lang="ko-KR" altLang="en-US"/>
           </a:p>
@@ -1968,7 +1968,7 @@
           <a:p>
             <a:fld id="{D94D4F6C-C331-422D-AC95-F1CB84419871}" type="datetimeFigureOut">
               <a:rPr lang="ko-KR" altLang="en-US" smtClean="0"/>
-              <a:t>2022-01-09</a:t>
+              <a:t>2022-01-11</a:t>
             </a:fld>
             <a:endParaRPr lang="ko-KR" altLang="en-US"/>
           </a:p>
@@ -2081,7 +2081,7 @@
           <a:p>
             <a:fld id="{D94D4F6C-C331-422D-AC95-F1CB84419871}" type="datetimeFigureOut">
               <a:rPr lang="ko-KR" altLang="en-US" smtClean="0"/>
-              <a:t>2022-01-09</a:t>
+              <a:t>2022-01-11</a:t>
             </a:fld>
             <a:endParaRPr lang="ko-KR" altLang="en-US"/>
           </a:p>
@@ -2392,7 +2392,7 @@
           <a:p>
             <a:fld id="{D94D4F6C-C331-422D-AC95-F1CB84419871}" type="datetimeFigureOut">
               <a:rPr lang="ko-KR" altLang="en-US" smtClean="0"/>
-              <a:t>2022-01-09</a:t>
+              <a:t>2022-01-11</a:t>
             </a:fld>
             <a:endParaRPr lang="ko-KR" altLang="en-US"/>
           </a:p>
@@ -2680,7 +2680,7 @@
           <a:p>
             <a:fld id="{D94D4F6C-C331-422D-AC95-F1CB84419871}" type="datetimeFigureOut">
               <a:rPr lang="ko-KR" altLang="en-US" smtClean="0"/>
-              <a:t>2022-01-09</a:t>
+              <a:t>2022-01-11</a:t>
             </a:fld>
             <a:endParaRPr lang="ko-KR" altLang="en-US"/>
           </a:p>
@@ -2921,7 +2921,7 @@
           <a:p>
             <a:fld id="{D94D4F6C-C331-422D-AC95-F1CB84419871}" type="datetimeFigureOut">
               <a:rPr lang="ko-KR" altLang="en-US" smtClean="0"/>
-              <a:t>2022-01-09</a:t>
+              <a:t>2022-01-11</a:t>
             </a:fld>
             <a:endParaRPr lang="ko-KR" altLang="en-US"/>
           </a:p>
@@ -4829,36 +4829,6 @@
           <a:chExt cx="0" cy="0"/>
         </a:xfrm>
       </p:grpSpPr>
-      <p:pic>
-        <p:nvPicPr>
-          <p:cNvPr id="4" name="그림 3">
-            <a:extLst>
-              <a:ext uri="{FF2B5EF4-FFF2-40B4-BE49-F238E27FC236}">
-                <a16:creationId xmlns:a16="http://schemas.microsoft.com/office/drawing/2014/main" id="{06675637-6615-4FE0-921A-B313759A3D4A}"/>
-              </a:ext>
-            </a:extLst>
-          </p:cNvPr>
-          <p:cNvPicPr>
-            <a:picLocks noChangeAspect="1"/>
-          </p:cNvPicPr>
-          <p:nvPr/>
-        </p:nvPicPr>
-        <p:blipFill>
-          <a:blip r:embed="rId2"/>
-          <a:stretch>
-            <a:fillRect/>
-          </a:stretch>
-        </p:blipFill>
-        <p:spPr>
-          <a:xfrm>
-            <a:off x="6516995" y="1414128"/>
-            <a:ext cx="5337544" cy="4971393"/>
-          </a:xfrm>
-          <a:prstGeom prst="rect">
-            <a:avLst/>
-          </a:prstGeom>
-        </p:spPr>
-      </p:pic>
       <p:sp>
         <p:nvSpPr>
           <p:cNvPr id="20" name="직사각형 19">
@@ -4944,7 +4914,7 @@
                 <a:latin typeface="돋움" panose="020B0600000101010101" pitchFamily="50" charset="-127"/>
                 <a:ea typeface="돋움" panose="020B0600000101010101" pitchFamily="50" charset="-127"/>
               </a:rPr>
-              <a:t>2021.01.09</a:t>
+              <a:t>2021.01.11</a:t>
             </a:r>
             <a:endParaRPr lang="ko-KR" altLang="en-US" sz="1600" b="1" dirty="0">
               <a:solidFill>
@@ -5018,329 +4988,380 @@
           </a:p>
         </p:txBody>
       </p:sp>
-      <p:sp>
-        <p:nvSpPr>
-          <p:cNvPr id="35" name="TextBox 34">
-            <a:extLst>
-              <a:ext uri="{FF2B5EF4-FFF2-40B4-BE49-F238E27FC236}">
-                <a16:creationId xmlns:a16="http://schemas.microsoft.com/office/drawing/2014/main" id="{1EF41522-13E9-43BD-9AAC-169FF0974316}"/>
-              </a:ext>
-            </a:extLst>
-          </p:cNvPr>
-          <p:cNvSpPr txBox="1"/>
+      <p:grpSp>
+        <p:nvGrpSpPr>
+          <p:cNvPr id="11" name="그룹 10">
+            <a:extLst>
+              <a:ext uri="{FF2B5EF4-FFF2-40B4-BE49-F238E27FC236}">
+                <a16:creationId xmlns:a16="http://schemas.microsoft.com/office/drawing/2014/main" id="{8891CC90-A3C1-4BC3-AB24-90917F308208}"/>
+              </a:ext>
+            </a:extLst>
+          </p:cNvPr>
+          <p:cNvGrpSpPr/>
           <p:nvPr/>
-        </p:nvSpPr>
+        </p:nvGrpSpPr>
+        <p:grpSpPr>
+          <a:xfrm>
+            <a:off x="804804" y="2241852"/>
+            <a:ext cx="4720785" cy="498713"/>
+            <a:chOff x="804804" y="2241852"/>
+            <a:chExt cx="4720785" cy="498713"/>
+          </a:xfrm>
+        </p:grpSpPr>
+        <p:sp>
+          <p:nvSpPr>
+            <p:cNvPr id="35" name="TextBox 34">
+              <a:extLst>
+                <a:ext uri="{FF2B5EF4-FFF2-40B4-BE49-F238E27FC236}">
+                  <a16:creationId xmlns:a16="http://schemas.microsoft.com/office/drawing/2014/main" id="{1EF41522-13E9-43BD-9AAC-169FF0974316}"/>
+                </a:ext>
+              </a:extLst>
+            </p:cNvPr>
+            <p:cNvSpPr txBox="1"/>
+            <p:nvPr/>
+          </p:nvSpPr>
+          <p:spPr>
+            <a:xfrm>
+              <a:off x="1185666" y="2241852"/>
+              <a:ext cx="3326552" cy="461665"/>
+            </a:xfrm>
+            <a:prstGeom prst="rect">
+              <a:avLst/>
+            </a:prstGeom>
+            <a:noFill/>
+          </p:spPr>
+          <p:txBody>
+            <a:bodyPr wrap="none" rtlCol="0">
+              <a:spAutoFit/>
+            </a:bodyPr>
+            <a:lstStyle/>
+            <a:p>
+              <a:r>
+                <a:rPr lang="ko-KR" altLang="en-US" sz="2400" b="1" spc="-300" dirty="0" err="1">
+                  <a:solidFill>
+                    <a:schemeClr val="tx1">
+                      <a:lumMod val="75000"/>
+                      <a:lumOff val="25000"/>
+                    </a:schemeClr>
+                  </a:solidFill>
+                  <a:latin typeface="돋움" panose="020B0600000101010101" pitchFamily="50" charset="-127"/>
+                  <a:ea typeface="돋움" panose="020B0600000101010101" pitchFamily="50" charset="-127"/>
+                </a:rPr>
+                <a:t>태깅</a:t>
+              </a:r>
+              <a:r>
+                <a:rPr lang="ko-KR" altLang="en-US" sz="2400" b="1" spc="-300" dirty="0">
+                  <a:solidFill>
+                    <a:schemeClr val="tx1">
+                      <a:lumMod val="75000"/>
+                      <a:lumOff val="25000"/>
+                    </a:schemeClr>
+                  </a:solidFill>
+                  <a:latin typeface="돋움" panose="020B0600000101010101" pitchFamily="50" charset="-127"/>
+                  <a:ea typeface="돋움" panose="020B0600000101010101" pitchFamily="50" charset="-127"/>
+                </a:rPr>
+                <a:t> 알고리즘 수정 및 보완</a:t>
+              </a:r>
+            </a:p>
+          </p:txBody>
+        </p:sp>
+        <p:sp>
+          <p:nvSpPr>
+            <p:cNvPr id="36" name="타원 35">
+              <a:extLst>
+                <a:ext uri="{FF2B5EF4-FFF2-40B4-BE49-F238E27FC236}">
+                  <a16:creationId xmlns:a16="http://schemas.microsoft.com/office/drawing/2014/main" id="{98207C15-23C1-47BC-97E1-BC6D3F8AF342}"/>
+                </a:ext>
+              </a:extLst>
+            </p:cNvPr>
+            <p:cNvSpPr/>
+            <p:nvPr/>
+          </p:nvSpPr>
+          <p:spPr>
+            <a:xfrm>
+              <a:off x="804804" y="2357246"/>
+              <a:ext cx="230878" cy="230878"/>
+            </a:xfrm>
+            <a:prstGeom prst="ellipse">
+              <a:avLst/>
+            </a:prstGeom>
+            <a:ln>
+              <a:noFill/>
+            </a:ln>
+          </p:spPr>
+          <p:style>
+            <a:lnRef idx="2">
+              <a:schemeClr val="accent1">
+                <a:shade val="50000"/>
+              </a:schemeClr>
+            </a:lnRef>
+            <a:fillRef idx="1">
+              <a:schemeClr val="accent1"/>
+            </a:fillRef>
+            <a:effectRef idx="0">
+              <a:schemeClr val="accent1"/>
+            </a:effectRef>
+            <a:fontRef idx="minor">
+              <a:schemeClr val="lt1"/>
+            </a:fontRef>
+          </p:style>
+          <p:txBody>
+            <a:bodyPr rtlCol="0" anchor="ctr"/>
+            <a:lstStyle/>
+            <a:p>
+              <a:pPr algn="ctr"/>
+              <a:endParaRPr lang="ko-KR" altLang="en-US"/>
+            </a:p>
+          </p:txBody>
+        </p:sp>
+        <p:cxnSp>
+          <p:nvCxnSpPr>
+            <p:cNvPr id="3" name="직선 연결선 2">
+              <a:extLst>
+                <a:ext uri="{FF2B5EF4-FFF2-40B4-BE49-F238E27FC236}">
+                  <a16:creationId xmlns:a16="http://schemas.microsoft.com/office/drawing/2014/main" id="{772BE1FB-0D4F-4E72-AB14-E5A67D2D6DFC}"/>
+                </a:ext>
+              </a:extLst>
+            </p:cNvPr>
+            <p:cNvCxnSpPr/>
+            <p:nvPr/>
+          </p:nvCxnSpPr>
+          <p:spPr>
+            <a:xfrm>
+              <a:off x="1185666" y="2740565"/>
+              <a:ext cx="4339923" cy="0"/>
+            </a:xfrm>
+            <a:prstGeom prst="line">
+              <a:avLst/>
+            </a:prstGeom>
+          </p:spPr>
+          <p:style>
+            <a:lnRef idx="1">
+              <a:schemeClr val="accent1"/>
+            </a:lnRef>
+            <a:fillRef idx="0">
+              <a:schemeClr val="accent1"/>
+            </a:fillRef>
+            <a:effectRef idx="0">
+              <a:schemeClr val="accent1"/>
+            </a:effectRef>
+            <a:fontRef idx="minor">
+              <a:schemeClr val="tx1"/>
+            </a:fontRef>
+          </p:style>
+        </p:cxnSp>
+      </p:grpSp>
+      <p:grpSp>
+        <p:nvGrpSpPr>
+          <p:cNvPr id="12" name="그룹 11">
+            <a:extLst>
+              <a:ext uri="{FF2B5EF4-FFF2-40B4-BE49-F238E27FC236}">
+                <a16:creationId xmlns:a16="http://schemas.microsoft.com/office/drawing/2014/main" id="{E70C15E7-4C74-49E0-9E49-44296A56D80D}"/>
+              </a:ext>
+            </a:extLst>
+          </p:cNvPr>
+          <p:cNvGrpSpPr/>
+          <p:nvPr/>
+        </p:nvGrpSpPr>
+        <p:grpSpPr>
+          <a:xfrm>
+            <a:off x="804804" y="3182131"/>
+            <a:ext cx="4720785" cy="498713"/>
+            <a:chOff x="804804" y="3160067"/>
+            <a:chExt cx="4720785" cy="498713"/>
+          </a:xfrm>
+        </p:grpSpPr>
+        <p:sp>
+          <p:nvSpPr>
+            <p:cNvPr id="53" name="TextBox 52">
+              <a:extLst>
+                <a:ext uri="{FF2B5EF4-FFF2-40B4-BE49-F238E27FC236}">
+                  <a16:creationId xmlns:a16="http://schemas.microsoft.com/office/drawing/2014/main" id="{867B6A26-E6F6-4EB7-A4B0-3E8C028D25DD}"/>
+                </a:ext>
+              </a:extLst>
+            </p:cNvPr>
+            <p:cNvSpPr txBox="1"/>
+            <p:nvPr/>
+          </p:nvSpPr>
+          <p:spPr>
+            <a:xfrm>
+              <a:off x="1185666" y="3160067"/>
+              <a:ext cx="2039341" cy="461665"/>
+            </a:xfrm>
+            <a:prstGeom prst="rect">
+              <a:avLst/>
+            </a:prstGeom>
+            <a:noFill/>
+          </p:spPr>
+          <p:txBody>
+            <a:bodyPr wrap="none" rtlCol="0">
+              <a:spAutoFit/>
+            </a:bodyPr>
+            <a:lstStyle/>
+            <a:p>
+              <a:r>
+                <a:rPr lang="en-US" altLang="ko-KR" sz="2400" b="1" spc="-300" dirty="0" err="1">
+                  <a:solidFill>
+                    <a:schemeClr val="tx1">
+                      <a:lumMod val="75000"/>
+                      <a:lumOff val="25000"/>
+                    </a:schemeClr>
+                  </a:solidFill>
+                  <a:latin typeface="돋움" panose="020B0600000101010101" pitchFamily="50" charset="-127"/>
+                  <a:ea typeface="돋움" panose="020B0600000101010101" pitchFamily="50" charset="-127"/>
+                </a:rPr>
+                <a:t>Github</a:t>
+              </a:r>
+              <a:r>
+                <a:rPr lang="en-US" altLang="ko-KR" sz="2400" b="1" spc="-300" dirty="0">
+                  <a:solidFill>
+                    <a:schemeClr val="tx1">
+                      <a:lumMod val="75000"/>
+                      <a:lumOff val="25000"/>
+                    </a:schemeClr>
+                  </a:solidFill>
+                  <a:latin typeface="돋움" panose="020B0600000101010101" pitchFamily="50" charset="-127"/>
+                  <a:ea typeface="돋움" panose="020B0600000101010101" pitchFamily="50" charset="-127"/>
+                </a:rPr>
+                <a:t> </a:t>
+              </a:r>
+              <a:r>
+                <a:rPr lang="ko-KR" altLang="en-US" sz="2400" b="1" spc="-300" dirty="0">
+                  <a:solidFill>
+                    <a:schemeClr val="tx1">
+                      <a:lumMod val="75000"/>
+                      <a:lumOff val="25000"/>
+                    </a:schemeClr>
+                  </a:solidFill>
+                  <a:latin typeface="돋움" panose="020B0600000101010101" pitchFamily="50" charset="-127"/>
+                  <a:ea typeface="돋움" panose="020B0600000101010101" pitchFamily="50" charset="-127"/>
+                </a:rPr>
+                <a:t>계정 관리</a:t>
+              </a:r>
+            </a:p>
+          </p:txBody>
+        </p:sp>
+        <p:sp>
+          <p:nvSpPr>
+            <p:cNvPr id="54" name="타원 53">
+              <a:extLst>
+                <a:ext uri="{FF2B5EF4-FFF2-40B4-BE49-F238E27FC236}">
+                  <a16:creationId xmlns:a16="http://schemas.microsoft.com/office/drawing/2014/main" id="{C294EA89-6E43-4184-AFB8-6E8C0F4D5798}"/>
+                </a:ext>
+              </a:extLst>
+            </p:cNvPr>
+            <p:cNvSpPr/>
+            <p:nvPr/>
+          </p:nvSpPr>
+          <p:spPr>
+            <a:xfrm>
+              <a:off x="804804" y="3275461"/>
+              <a:ext cx="230878" cy="230878"/>
+            </a:xfrm>
+            <a:prstGeom prst="ellipse">
+              <a:avLst/>
+            </a:prstGeom>
+            <a:ln>
+              <a:noFill/>
+            </a:ln>
+          </p:spPr>
+          <p:style>
+            <a:lnRef idx="2">
+              <a:schemeClr val="accent1">
+                <a:shade val="50000"/>
+              </a:schemeClr>
+            </a:lnRef>
+            <a:fillRef idx="1">
+              <a:schemeClr val="accent1"/>
+            </a:fillRef>
+            <a:effectRef idx="0">
+              <a:schemeClr val="accent1"/>
+            </a:effectRef>
+            <a:fontRef idx="minor">
+              <a:schemeClr val="lt1"/>
+            </a:fontRef>
+          </p:style>
+          <p:txBody>
+            <a:bodyPr rtlCol="0" anchor="ctr"/>
+            <a:lstStyle/>
+            <a:p>
+              <a:pPr algn="ctr"/>
+              <a:endParaRPr lang="ko-KR" altLang="en-US"/>
+            </a:p>
+          </p:txBody>
+        </p:sp>
+        <p:cxnSp>
+          <p:nvCxnSpPr>
+            <p:cNvPr id="55" name="직선 연결선 54">
+              <a:extLst>
+                <a:ext uri="{FF2B5EF4-FFF2-40B4-BE49-F238E27FC236}">
+                  <a16:creationId xmlns:a16="http://schemas.microsoft.com/office/drawing/2014/main" id="{EDC72424-D9AE-4325-AC68-65A36EA12777}"/>
+                </a:ext>
+              </a:extLst>
+            </p:cNvPr>
+            <p:cNvCxnSpPr/>
+            <p:nvPr/>
+          </p:nvCxnSpPr>
+          <p:spPr>
+            <a:xfrm>
+              <a:off x="1185666" y="3658780"/>
+              <a:ext cx="4339923" cy="0"/>
+            </a:xfrm>
+            <a:prstGeom prst="line">
+              <a:avLst/>
+            </a:prstGeom>
+          </p:spPr>
+          <p:style>
+            <a:lnRef idx="1">
+              <a:schemeClr val="accent1"/>
+            </a:lnRef>
+            <a:fillRef idx="0">
+              <a:schemeClr val="accent1"/>
+            </a:fillRef>
+            <a:effectRef idx="0">
+              <a:schemeClr val="accent1"/>
+            </a:effectRef>
+            <a:fontRef idx="minor">
+              <a:schemeClr val="tx1"/>
+            </a:fontRef>
+          </p:style>
+        </p:cxnSp>
+      </p:grpSp>
+      <p:pic>
+        <p:nvPicPr>
+          <p:cNvPr id="9" name="그림 8">
+            <a:extLst>
+              <a:ext uri="{FF2B5EF4-FFF2-40B4-BE49-F238E27FC236}">
+                <a16:creationId xmlns:a16="http://schemas.microsoft.com/office/drawing/2014/main" id="{6049BF1A-5122-4F49-9CFD-D62FC17C728B}"/>
+              </a:ext>
+            </a:extLst>
+          </p:cNvPr>
+          <p:cNvPicPr>
+            <a:picLocks noChangeAspect="1"/>
+          </p:cNvPicPr>
+          <p:nvPr/>
+        </p:nvPicPr>
+        <p:blipFill>
+          <a:blip r:embed="rId2"/>
+          <a:stretch>
+            <a:fillRect/>
+          </a:stretch>
+        </p:blipFill>
         <p:spPr>
           <a:xfrm>
-            <a:off x="1185666" y="2241852"/>
-            <a:ext cx="3927678" cy="461665"/>
+            <a:off x="6516995" y="1928386"/>
+            <a:ext cx="5334202" cy="3942876"/>
           </a:xfrm>
           <a:prstGeom prst="rect">
             <a:avLst/>
           </a:prstGeom>
-          <a:noFill/>
-        </p:spPr>
-        <p:txBody>
-          <a:bodyPr wrap="none" rtlCol="0">
-            <a:spAutoFit/>
-          </a:bodyPr>
-          <a:lstStyle/>
-          <a:p>
-            <a:r>
-              <a:rPr lang="ko-KR" altLang="en-US" sz="2400" b="1" spc="-300" dirty="0" err="1">
-                <a:solidFill>
-                  <a:schemeClr val="tx1">
-                    <a:lumMod val="75000"/>
-                    <a:lumOff val="25000"/>
-                  </a:schemeClr>
-                </a:solidFill>
-                <a:latin typeface="돋움" panose="020B0600000101010101" pitchFamily="50" charset="-127"/>
-                <a:ea typeface="돋움" panose="020B0600000101010101" pitchFamily="50" charset="-127"/>
-              </a:rPr>
-              <a:t>태깅</a:t>
-            </a:r>
-            <a:r>
-              <a:rPr lang="ko-KR" altLang="en-US" sz="2400" b="1" spc="-300" dirty="0">
-                <a:solidFill>
-                  <a:schemeClr val="tx1">
-                    <a:lumMod val="75000"/>
-                    <a:lumOff val="25000"/>
-                  </a:schemeClr>
-                </a:solidFill>
-                <a:latin typeface="돋움" panose="020B0600000101010101" pitchFamily="50" charset="-127"/>
-                <a:ea typeface="돋움" panose="020B0600000101010101" pitchFamily="50" charset="-127"/>
-              </a:rPr>
-              <a:t> 알고리즘 명사</a:t>
-            </a:r>
-            <a:r>
-              <a:rPr lang="en-US" altLang="ko-KR" sz="2400" b="1" spc="-300" dirty="0">
-                <a:solidFill>
-                  <a:schemeClr val="tx1">
-                    <a:lumMod val="75000"/>
-                    <a:lumOff val="25000"/>
-                  </a:schemeClr>
-                </a:solidFill>
-                <a:latin typeface="돋움" panose="020B0600000101010101" pitchFamily="50" charset="-127"/>
-                <a:ea typeface="돋움" panose="020B0600000101010101" pitchFamily="50" charset="-127"/>
-              </a:rPr>
-              <a:t>, </a:t>
-            </a:r>
-            <a:r>
-              <a:rPr lang="ko-KR" altLang="en-US" sz="2400" b="1" spc="-300" dirty="0">
-                <a:solidFill>
-                  <a:schemeClr val="tx1">
-                    <a:lumMod val="75000"/>
-                    <a:lumOff val="25000"/>
-                  </a:schemeClr>
-                </a:solidFill>
-                <a:latin typeface="돋움" panose="020B0600000101010101" pitchFamily="50" charset="-127"/>
-                <a:ea typeface="돋움" panose="020B0600000101010101" pitchFamily="50" charset="-127"/>
-              </a:rPr>
-              <a:t>서술어 수정</a:t>
-            </a:r>
-          </a:p>
-        </p:txBody>
-      </p:sp>
-      <p:sp>
-        <p:nvSpPr>
-          <p:cNvPr id="36" name="타원 35">
-            <a:extLst>
-              <a:ext uri="{FF2B5EF4-FFF2-40B4-BE49-F238E27FC236}">
-                <a16:creationId xmlns:a16="http://schemas.microsoft.com/office/drawing/2014/main" id="{98207C15-23C1-47BC-97E1-BC6D3F8AF342}"/>
-              </a:ext>
-            </a:extLst>
-          </p:cNvPr>
-          <p:cNvSpPr/>
-          <p:nvPr/>
-        </p:nvSpPr>
-        <p:spPr>
-          <a:xfrm>
-            <a:off x="804804" y="2357246"/>
-            <a:ext cx="230878" cy="230878"/>
-          </a:xfrm>
-          <a:prstGeom prst="ellipse">
-            <a:avLst/>
-          </a:prstGeom>
           <a:ln>
-            <a:noFill/>
+            <a:solidFill>
+              <a:schemeClr val="tx1"/>
+            </a:solidFill>
           </a:ln>
         </p:spPr>
-        <p:style>
-          <a:lnRef idx="2">
-            <a:schemeClr val="accent1">
-              <a:shade val="50000"/>
-            </a:schemeClr>
-          </a:lnRef>
-          <a:fillRef idx="1">
-            <a:schemeClr val="accent1"/>
-          </a:fillRef>
-          <a:effectRef idx="0">
-            <a:schemeClr val="accent1"/>
-          </a:effectRef>
-          <a:fontRef idx="minor">
-            <a:schemeClr val="lt1"/>
-          </a:fontRef>
-        </p:style>
-        <p:txBody>
-          <a:bodyPr rtlCol="0" anchor="ctr"/>
-          <a:lstStyle/>
-          <a:p>
-            <a:pPr algn="ctr"/>
-            <a:endParaRPr lang="ko-KR" altLang="en-US"/>
-          </a:p>
-        </p:txBody>
-      </p:sp>
-      <p:cxnSp>
-        <p:nvCxnSpPr>
-          <p:cNvPr id="3" name="직선 연결선 2">
-            <a:extLst>
-              <a:ext uri="{FF2B5EF4-FFF2-40B4-BE49-F238E27FC236}">
-                <a16:creationId xmlns:a16="http://schemas.microsoft.com/office/drawing/2014/main" id="{772BE1FB-0D4F-4E72-AB14-E5A67D2D6DFC}"/>
-              </a:ext>
-            </a:extLst>
-          </p:cNvPr>
-          <p:cNvCxnSpPr/>
-          <p:nvPr/>
-        </p:nvCxnSpPr>
-        <p:spPr>
-          <a:xfrm>
-            <a:off x="1185666" y="2740565"/>
-            <a:ext cx="4339923" cy="0"/>
-          </a:xfrm>
-          <a:prstGeom prst="line">
-            <a:avLst/>
-          </a:prstGeom>
-        </p:spPr>
-        <p:style>
-          <a:lnRef idx="1">
-            <a:schemeClr val="accent1"/>
-          </a:lnRef>
-          <a:fillRef idx="0">
-            <a:schemeClr val="accent1"/>
-          </a:fillRef>
-          <a:effectRef idx="0">
-            <a:schemeClr val="accent1"/>
-          </a:effectRef>
-          <a:fontRef idx="minor">
-            <a:schemeClr val="tx1"/>
-          </a:fontRef>
-        </p:style>
-      </p:cxnSp>
-      <p:sp>
-        <p:nvSpPr>
-          <p:cNvPr id="53" name="TextBox 52">
-            <a:extLst>
-              <a:ext uri="{FF2B5EF4-FFF2-40B4-BE49-F238E27FC236}">
-                <a16:creationId xmlns:a16="http://schemas.microsoft.com/office/drawing/2014/main" id="{867B6A26-E6F6-4EB7-A4B0-3E8C028D25DD}"/>
-              </a:ext>
-            </a:extLst>
-          </p:cNvPr>
-          <p:cNvSpPr txBox="1"/>
-          <p:nvPr/>
-        </p:nvSpPr>
-        <p:spPr>
-          <a:xfrm>
-            <a:off x="1185666" y="3160067"/>
-            <a:ext cx="2039341" cy="461665"/>
-          </a:xfrm>
-          <a:prstGeom prst="rect">
-            <a:avLst/>
-          </a:prstGeom>
-          <a:noFill/>
-        </p:spPr>
-        <p:txBody>
-          <a:bodyPr wrap="none" rtlCol="0">
-            <a:spAutoFit/>
-          </a:bodyPr>
-          <a:lstStyle/>
-          <a:p>
-            <a:r>
-              <a:rPr lang="en-US" altLang="ko-KR" sz="2400" b="1" spc="-300" dirty="0" err="1">
-                <a:solidFill>
-                  <a:schemeClr val="tx1">
-                    <a:lumMod val="75000"/>
-                    <a:lumOff val="25000"/>
-                  </a:schemeClr>
-                </a:solidFill>
-                <a:latin typeface="돋움" panose="020B0600000101010101" pitchFamily="50" charset="-127"/>
-                <a:ea typeface="돋움" panose="020B0600000101010101" pitchFamily="50" charset="-127"/>
-              </a:rPr>
-              <a:t>Github</a:t>
-            </a:r>
-            <a:r>
-              <a:rPr lang="en-US" altLang="ko-KR" sz="2400" b="1" spc="-300" dirty="0">
-                <a:solidFill>
-                  <a:schemeClr val="tx1">
-                    <a:lumMod val="75000"/>
-                    <a:lumOff val="25000"/>
-                  </a:schemeClr>
-                </a:solidFill>
-                <a:latin typeface="돋움" panose="020B0600000101010101" pitchFamily="50" charset="-127"/>
-                <a:ea typeface="돋움" panose="020B0600000101010101" pitchFamily="50" charset="-127"/>
-              </a:rPr>
-              <a:t> </a:t>
-            </a:r>
-            <a:r>
-              <a:rPr lang="ko-KR" altLang="en-US" sz="2400" b="1" spc="-300" dirty="0">
-                <a:solidFill>
-                  <a:schemeClr val="tx1">
-                    <a:lumMod val="75000"/>
-                    <a:lumOff val="25000"/>
-                  </a:schemeClr>
-                </a:solidFill>
-                <a:latin typeface="돋움" panose="020B0600000101010101" pitchFamily="50" charset="-127"/>
-                <a:ea typeface="돋움" panose="020B0600000101010101" pitchFamily="50" charset="-127"/>
-              </a:rPr>
-              <a:t>계정 관리</a:t>
-            </a:r>
-          </a:p>
-        </p:txBody>
-      </p:sp>
-      <p:sp>
-        <p:nvSpPr>
-          <p:cNvPr id="54" name="타원 53">
-            <a:extLst>
-              <a:ext uri="{FF2B5EF4-FFF2-40B4-BE49-F238E27FC236}">
-                <a16:creationId xmlns:a16="http://schemas.microsoft.com/office/drawing/2014/main" id="{C294EA89-6E43-4184-AFB8-6E8C0F4D5798}"/>
-              </a:ext>
-            </a:extLst>
-          </p:cNvPr>
-          <p:cNvSpPr/>
-          <p:nvPr/>
-        </p:nvSpPr>
-        <p:spPr>
-          <a:xfrm>
-            <a:off x="804804" y="3275461"/>
-            <a:ext cx="230878" cy="230878"/>
-          </a:xfrm>
-          <a:prstGeom prst="ellipse">
-            <a:avLst/>
-          </a:prstGeom>
-          <a:ln>
-            <a:noFill/>
-          </a:ln>
-        </p:spPr>
-        <p:style>
-          <a:lnRef idx="2">
-            <a:schemeClr val="accent1">
-              <a:shade val="50000"/>
-            </a:schemeClr>
-          </a:lnRef>
-          <a:fillRef idx="1">
-            <a:schemeClr val="accent1"/>
-          </a:fillRef>
-          <a:effectRef idx="0">
-            <a:schemeClr val="accent1"/>
-          </a:effectRef>
-          <a:fontRef idx="minor">
-            <a:schemeClr val="lt1"/>
-          </a:fontRef>
-        </p:style>
-        <p:txBody>
-          <a:bodyPr rtlCol="0" anchor="ctr"/>
-          <a:lstStyle/>
-          <a:p>
-            <a:pPr algn="ctr"/>
-            <a:endParaRPr lang="ko-KR" altLang="en-US"/>
-          </a:p>
-        </p:txBody>
-      </p:sp>
-      <p:cxnSp>
-        <p:nvCxnSpPr>
-          <p:cNvPr id="55" name="직선 연결선 54">
-            <a:extLst>
-              <a:ext uri="{FF2B5EF4-FFF2-40B4-BE49-F238E27FC236}">
-                <a16:creationId xmlns:a16="http://schemas.microsoft.com/office/drawing/2014/main" id="{EDC72424-D9AE-4325-AC68-65A36EA12777}"/>
-              </a:ext>
-            </a:extLst>
-          </p:cNvPr>
-          <p:cNvCxnSpPr/>
-          <p:nvPr/>
-        </p:nvCxnSpPr>
-        <p:spPr>
-          <a:xfrm>
-            <a:off x="1185666" y="3658780"/>
-            <a:ext cx="4339923" cy="0"/>
-          </a:xfrm>
-          <a:prstGeom prst="line">
-            <a:avLst/>
-          </a:prstGeom>
-        </p:spPr>
-        <p:style>
-          <a:lnRef idx="1">
-            <a:schemeClr val="accent1"/>
-          </a:lnRef>
-          <a:fillRef idx="0">
-            <a:schemeClr val="accent1"/>
-          </a:fillRef>
-          <a:effectRef idx="0">
-            <a:schemeClr val="accent1"/>
-          </a:effectRef>
-          <a:fontRef idx="minor">
-            <a:schemeClr val="tx1"/>
-          </a:fontRef>
-        </p:style>
-      </p:cxnSp>
+      </p:pic>
     </p:spTree>
     <p:extLst>
       <p:ext uri="{BB962C8B-B14F-4D97-AF65-F5344CB8AC3E}">

--- a/연구보고서/고민정.pptx
+++ b/연구보고서/고민정.pptx
@@ -4907,14 +4907,14 @@
           <a:lstStyle/>
           <a:p>
             <a:r>
-              <a:rPr lang="en-US" altLang="ko-KR" sz="1600" b="1" dirty="0">
+              <a:rPr lang="en-US" altLang="ko-KR" sz="1600" b="1">
                 <a:solidFill>
                   <a:schemeClr val="bg1"/>
                 </a:solidFill>
                 <a:latin typeface="돋움" panose="020B0600000101010101" pitchFamily="50" charset="-127"/>
                 <a:ea typeface="돋움" panose="020B0600000101010101" pitchFamily="50" charset="-127"/>
               </a:rPr>
-              <a:t>2021.01.11</a:t>
+              <a:t>2022.01.11</a:t>
             </a:r>
             <a:endParaRPr lang="ko-KR" altLang="en-US" sz="1600" b="1" dirty="0">
               <a:solidFill>
